--- a/figures/eucovid.pptx
+++ b/figures/eucovid.pptx
@@ -4611,7 +4611,7 @@
         </p:nvSpPr>
         <p:spPr>
           <a:xfrm>
-            <a:off x="5717274" y="3541773"/>
+            <a:off x="5867156" y="3563243"/>
             <a:ext cx="2181340" cy="369332"/>
           </a:xfrm>
           <a:prstGeom prst="rect">
